--- a/dev/AirfoilEditor_video.pptx
+++ b/dev/AirfoilEditor_video.pptx
@@ -11,7 +11,11 @@
     <p:sldId id="269" r:id="rId5"/>
     <p:sldId id="272" r:id="rId6"/>
     <p:sldId id="270" r:id="rId7"/>
-    <p:sldId id="259" r:id="rId8"/>
+    <p:sldId id="273" r:id="rId8"/>
+    <p:sldId id="274" r:id="rId9"/>
+    <p:sldId id="275" r:id="rId10"/>
+    <p:sldId id="276" r:id="rId11"/>
+    <p:sldId id="259" r:id="rId12"/>
   </p:sldIdLst>
   <p:sldSz cx="12192000" cy="6858000"/>
   <p:notesSz cx="6858000" cy="9144000"/>
@@ -278,7 +282,7 @@
           <a:p>
             <a:fld id="{CE8103EF-6A06-4AFC-A2C6-FF5735AE5867}" type="datetimeFigureOut">
               <a:rPr lang="en-US" smtClean="0"/>
-              <a:t>9/17/2024</a:t>
+              <a:t>9/25/2024</a:t>
             </a:fld>
             <a:endParaRPr lang="en-US"/>
           </a:p>
@@ -478,7 +482,7 @@
           <a:p>
             <a:fld id="{CE8103EF-6A06-4AFC-A2C6-FF5735AE5867}" type="datetimeFigureOut">
               <a:rPr lang="en-US" smtClean="0"/>
-              <a:t>9/17/2024</a:t>
+              <a:t>9/25/2024</a:t>
             </a:fld>
             <a:endParaRPr lang="en-US"/>
           </a:p>
@@ -688,7 +692,7 @@
           <a:p>
             <a:fld id="{CE8103EF-6A06-4AFC-A2C6-FF5735AE5867}" type="datetimeFigureOut">
               <a:rPr lang="en-US" smtClean="0"/>
-              <a:t>9/17/2024</a:t>
+              <a:t>9/25/2024</a:t>
             </a:fld>
             <a:endParaRPr lang="en-US"/>
           </a:p>
@@ -888,7 +892,7 @@
           <a:p>
             <a:fld id="{CE8103EF-6A06-4AFC-A2C6-FF5735AE5867}" type="datetimeFigureOut">
               <a:rPr lang="en-US" smtClean="0"/>
-              <a:t>9/17/2024</a:t>
+              <a:t>9/25/2024</a:t>
             </a:fld>
             <a:endParaRPr lang="en-US"/>
           </a:p>
@@ -1164,7 +1168,7 @@
           <a:p>
             <a:fld id="{CE8103EF-6A06-4AFC-A2C6-FF5735AE5867}" type="datetimeFigureOut">
               <a:rPr lang="en-US" smtClean="0"/>
-              <a:t>9/17/2024</a:t>
+              <a:t>9/25/2024</a:t>
             </a:fld>
             <a:endParaRPr lang="en-US"/>
           </a:p>
@@ -1432,7 +1436,7 @@
           <a:p>
             <a:fld id="{CE8103EF-6A06-4AFC-A2C6-FF5735AE5867}" type="datetimeFigureOut">
               <a:rPr lang="en-US" smtClean="0"/>
-              <a:t>9/17/2024</a:t>
+              <a:t>9/25/2024</a:t>
             </a:fld>
             <a:endParaRPr lang="en-US"/>
           </a:p>
@@ -1847,7 +1851,7 @@
           <a:p>
             <a:fld id="{CE8103EF-6A06-4AFC-A2C6-FF5735AE5867}" type="datetimeFigureOut">
               <a:rPr lang="en-US" smtClean="0"/>
-              <a:t>9/17/2024</a:t>
+              <a:t>9/25/2024</a:t>
             </a:fld>
             <a:endParaRPr lang="en-US"/>
           </a:p>
@@ -1989,7 +1993,7 @@
           <a:p>
             <a:fld id="{CE8103EF-6A06-4AFC-A2C6-FF5735AE5867}" type="datetimeFigureOut">
               <a:rPr lang="en-US" smtClean="0"/>
-              <a:t>9/17/2024</a:t>
+              <a:t>9/25/2024</a:t>
             </a:fld>
             <a:endParaRPr lang="en-US"/>
           </a:p>
@@ -2102,7 +2106,7 @@
           <a:p>
             <a:fld id="{CE8103EF-6A06-4AFC-A2C6-FF5735AE5867}" type="datetimeFigureOut">
               <a:rPr lang="en-US" smtClean="0"/>
-              <a:t>9/17/2024</a:t>
+              <a:t>9/25/2024</a:t>
             </a:fld>
             <a:endParaRPr lang="en-US"/>
           </a:p>
@@ -2415,7 +2419,7 @@
           <a:p>
             <a:fld id="{CE8103EF-6A06-4AFC-A2C6-FF5735AE5867}" type="datetimeFigureOut">
               <a:rPr lang="en-US" smtClean="0"/>
-              <a:t>9/17/2024</a:t>
+              <a:t>9/25/2024</a:t>
             </a:fld>
             <a:endParaRPr lang="en-US"/>
           </a:p>
@@ -2704,7 +2708,7 @@
           <a:p>
             <a:fld id="{CE8103EF-6A06-4AFC-A2C6-FF5735AE5867}" type="datetimeFigureOut">
               <a:rPr lang="en-US" smtClean="0"/>
-              <a:t>9/17/2024</a:t>
+              <a:t>9/25/2024</a:t>
             </a:fld>
             <a:endParaRPr lang="en-US"/>
           </a:p>
@@ -2947,7 +2951,7 @@
           <a:p>
             <a:fld id="{CE8103EF-6A06-4AFC-A2C6-FF5735AE5867}" type="datetimeFigureOut">
               <a:rPr lang="en-US" smtClean="0"/>
-              <a:t>9/17/2024</a:t>
+              <a:t>9/25/2024</a:t>
             </a:fld>
             <a:endParaRPr lang="en-US"/>
           </a:p>
@@ -3534,6 +3538,653 @@
 </p:sld>
 </file>
 
+<file path=ppt/slides/slide10.xml><?xml version="1.0" encoding="utf-8"?>
+<p:sld xmlns:a="http://schemas.openxmlformats.org/drawingml/2006/main" xmlns:r="http://schemas.openxmlformats.org/officeDocument/2006/relationships" xmlns:p="http://schemas.openxmlformats.org/presentationml/2006/main">
+  <p:cSld>
+    <p:bg>
+      <p:bgPr>
+        <a:solidFill>
+          <a:srgbClr val="000000"/>
+        </a:solidFill>
+        <a:effectLst/>
+      </p:bgPr>
+    </p:bg>
+    <p:spTree>
+      <p:nvGrpSpPr>
+        <p:cNvPr id="1" name=""/>
+        <p:cNvGrpSpPr/>
+        <p:nvPr/>
+      </p:nvGrpSpPr>
+      <p:grpSpPr>
+        <a:xfrm>
+          <a:off x="0" y="0"/>
+          <a:ext cx="0" cy="0"/>
+          <a:chOff x="0" y="0"/>
+          <a:chExt cx="0" cy="0"/>
+        </a:xfrm>
+      </p:grpSpPr>
+      <p:sp>
+        <p:nvSpPr>
+          <p:cNvPr id="5" name="Textfeld 4">
+            <a:extLst>
+              <a:ext uri="{FF2B5EF4-FFF2-40B4-BE49-F238E27FC236}">
+                <a16:creationId xmlns:a16="http://schemas.microsoft.com/office/drawing/2014/main" id="{516D9F68-55EA-89B5-B37B-3F6FBA25240E}"/>
+              </a:ext>
+            </a:extLst>
+          </p:cNvPr>
+          <p:cNvSpPr txBox="1"/>
+          <p:nvPr/>
+        </p:nvSpPr>
+        <p:spPr>
+          <a:xfrm>
+            <a:off x="752968" y="443477"/>
+            <a:ext cx="7343282" cy="1080524"/>
+          </a:xfrm>
+          <a:prstGeom prst="rect">
+            <a:avLst/>
+          </a:prstGeom>
+          <a:solidFill>
+            <a:srgbClr val="000000"/>
+          </a:solidFill>
+        </p:spPr>
+        <p:txBody>
+          <a:bodyPr wrap="none" lIns="288000" rtlCol="0">
+            <a:noAutofit/>
+          </a:bodyPr>
+          <a:lstStyle/>
+          <a:p>
+            <a:r>
+              <a:rPr lang="de-DE" sz="6000" b="1" dirty="0">
+                <a:solidFill>
+                  <a:srgbClr val="D9D9D9"/>
+                </a:solidFill>
+                <a:latin typeface="Roboto Black" panose="02000000000000000000" pitchFamily="2" charset="0"/>
+                <a:ea typeface="Roboto Black" panose="02000000000000000000" pitchFamily="2" charset="0"/>
+              </a:rPr>
+              <a:t>Airfoil</a:t>
+            </a:r>
+            <a:r>
+              <a:rPr lang="de-DE" sz="6000" b="1" dirty="0">
+                <a:solidFill>
+                  <a:srgbClr val="DA007D"/>
+                </a:solidFill>
+                <a:latin typeface="Roboto Black" panose="02000000000000000000" pitchFamily="2" charset="0"/>
+                <a:ea typeface="Roboto Black" panose="02000000000000000000" pitchFamily="2" charset="0"/>
+              </a:rPr>
+              <a:t>Editor</a:t>
+            </a:r>
+          </a:p>
+        </p:txBody>
+      </p:sp>
+      <p:sp>
+        <p:nvSpPr>
+          <p:cNvPr id="7" name="Textfeld 6">
+            <a:extLst>
+              <a:ext uri="{FF2B5EF4-FFF2-40B4-BE49-F238E27FC236}">
+                <a16:creationId xmlns:a16="http://schemas.microsoft.com/office/drawing/2014/main" id="{BCA57907-C10D-CEC2-9EA6-EA89B1A06643}"/>
+              </a:ext>
+            </a:extLst>
+          </p:cNvPr>
+          <p:cNvSpPr txBox="1"/>
+          <p:nvPr/>
+        </p:nvSpPr>
+        <p:spPr>
+          <a:xfrm>
+            <a:off x="3270421" y="2723004"/>
+            <a:ext cx="6343136" cy="830997"/>
+          </a:xfrm>
+          <a:prstGeom prst="rect">
+            <a:avLst/>
+          </a:prstGeom>
+          <a:noFill/>
+        </p:spPr>
+        <p:txBody>
+          <a:bodyPr wrap="square">
+            <a:spAutoFit/>
+          </a:bodyPr>
+          <a:lstStyle/>
+          <a:p>
+            <a:pPr marR="0" lvl="0" algn="ctr" defTabSz="914400" rtl="0" eaLnBrk="1" fontAlgn="auto" latinLnBrk="0" hangingPunct="1">
+              <a:lnSpc>
+                <a:spcPct val="100000"/>
+              </a:lnSpc>
+              <a:spcBef>
+                <a:spcPts val="0"/>
+              </a:spcBef>
+              <a:spcAft>
+                <a:spcPts val="600"/>
+              </a:spcAft>
+              <a:buClrTx/>
+              <a:buSzTx/>
+              <a:tabLst/>
+              <a:defRPr/>
+            </a:pPr>
+            <a:r>
+              <a:rPr kumimoji="0" lang="de-DE" sz="4800" b="0" u="none" strike="noStrike" kern="1200" cap="none" spc="0" normalizeH="0" baseline="0" noProof="0" dirty="0" err="1">
+                <a:ln>
+                  <a:noFill/>
+                </a:ln>
+                <a:solidFill>
+                  <a:prstClr val="white">
+                    <a:lumMod val="75000"/>
+                  </a:prstClr>
+                </a:solidFill>
+                <a:effectLst/>
+                <a:uLnTx/>
+                <a:uFillTx/>
+                <a:latin typeface="Ink Free" panose="03080402000500000000" pitchFamily="66" charset="0"/>
+              </a:rPr>
+              <a:t>Thank</a:t>
+            </a:r>
+            <a:r>
+              <a:rPr kumimoji="0" lang="de-DE" sz="4800" b="0" u="none" strike="noStrike" kern="1200" cap="none" spc="0" normalizeH="0" baseline="0" noProof="0" dirty="0">
+                <a:ln>
+                  <a:noFill/>
+                </a:ln>
+                <a:solidFill>
+                  <a:prstClr val="white">
+                    <a:lumMod val="75000"/>
+                  </a:prstClr>
+                </a:solidFill>
+                <a:effectLst/>
+                <a:uLnTx/>
+                <a:uFillTx/>
+                <a:latin typeface="Ink Free" panose="03080402000500000000" pitchFamily="66" charset="0"/>
+              </a:rPr>
+              <a:t> </a:t>
+            </a:r>
+            <a:r>
+              <a:rPr kumimoji="0" lang="de-DE" sz="4800" b="0" u="none" strike="noStrike" kern="1200" cap="none" spc="0" normalizeH="0" baseline="0" noProof="0" dirty="0" err="1">
+                <a:ln>
+                  <a:noFill/>
+                </a:ln>
+                <a:solidFill>
+                  <a:prstClr val="white">
+                    <a:lumMod val="75000"/>
+                  </a:prstClr>
+                </a:solidFill>
+                <a:effectLst/>
+                <a:uLnTx/>
+                <a:uFillTx/>
+                <a:latin typeface="Ink Free" panose="03080402000500000000" pitchFamily="66" charset="0"/>
+              </a:rPr>
+              <a:t>you</a:t>
+            </a:r>
+            <a:r>
+              <a:rPr kumimoji="0" lang="de-DE" sz="4800" b="0" u="none" strike="noStrike" kern="1200" cap="none" spc="0" normalizeH="0" baseline="0" noProof="0" dirty="0">
+                <a:ln>
+                  <a:noFill/>
+                </a:ln>
+                <a:solidFill>
+                  <a:prstClr val="white">
+                    <a:lumMod val="75000"/>
+                  </a:prstClr>
+                </a:solidFill>
+                <a:effectLst/>
+                <a:uLnTx/>
+                <a:uFillTx/>
+                <a:latin typeface="Ink Free" panose="03080402000500000000" pitchFamily="66" charset="0"/>
+              </a:rPr>
+              <a:t> </a:t>
+            </a:r>
+            <a:r>
+              <a:rPr kumimoji="0" lang="de-DE" sz="4800" b="0" u="none" strike="noStrike" kern="1200" cap="none" spc="0" normalizeH="0" baseline="0" noProof="0" dirty="0" err="1">
+                <a:ln>
+                  <a:noFill/>
+                </a:ln>
+                <a:solidFill>
+                  <a:prstClr val="white">
+                    <a:lumMod val="75000"/>
+                  </a:prstClr>
+                </a:solidFill>
+                <a:effectLst/>
+                <a:uLnTx/>
+                <a:uFillTx/>
+                <a:latin typeface="Ink Free" panose="03080402000500000000" pitchFamily="66" charset="0"/>
+              </a:rPr>
+              <a:t>very</a:t>
+            </a:r>
+            <a:r>
+              <a:rPr kumimoji="0" lang="de-DE" sz="4800" b="0" u="none" strike="noStrike" kern="1200" cap="none" spc="0" normalizeH="0" baseline="0" noProof="0" dirty="0">
+                <a:ln>
+                  <a:noFill/>
+                </a:ln>
+                <a:solidFill>
+                  <a:prstClr val="white">
+                    <a:lumMod val="75000"/>
+                  </a:prstClr>
+                </a:solidFill>
+                <a:effectLst/>
+                <a:uLnTx/>
+                <a:uFillTx/>
+                <a:latin typeface="Ink Free" panose="03080402000500000000" pitchFamily="66" charset="0"/>
+              </a:rPr>
+              <a:t> </a:t>
+            </a:r>
+            <a:r>
+              <a:rPr kumimoji="0" lang="de-DE" sz="4800" b="0" u="none" strike="noStrike" kern="1200" cap="none" spc="0" normalizeH="0" baseline="0" noProof="0" dirty="0" err="1">
+                <a:ln>
+                  <a:noFill/>
+                </a:ln>
+                <a:solidFill>
+                  <a:prstClr val="white">
+                    <a:lumMod val="75000"/>
+                  </a:prstClr>
+                </a:solidFill>
+                <a:effectLst/>
+                <a:uLnTx/>
+                <a:uFillTx/>
+                <a:latin typeface="Ink Free" panose="03080402000500000000" pitchFamily="66" charset="0"/>
+              </a:rPr>
+              <a:t>much</a:t>
+            </a:r>
+            <a:r>
+              <a:rPr kumimoji="0" lang="de-DE" sz="4800" b="0" u="none" strike="noStrike" kern="1200" cap="none" spc="0" normalizeH="0" baseline="0" noProof="0" dirty="0">
+                <a:ln>
+                  <a:noFill/>
+                </a:ln>
+                <a:solidFill>
+                  <a:prstClr val="white">
+                    <a:lumMod val="75000"/>
+                  </a:prstClr>
+                </a:solidFill>
+                <a:effectLst/>
+                <a:uLnTx/>
+                <a:uFillTx/>
+                <a:latin typeface="Ink Free" panose="03080402000500000000" pitchFamily="66" charset="0"/>
+              </a:rPr>
+              <a:t>!</a:t>
+            </a:r>
+          </a:p>
+        </p:txBody>
+      </p:sp>
+      <p:sp>
+        <p:nvSpPr>
+          <p:cNvPr id="4" name="Textfeld 3">
+            <a:extLst>
+              <a:ext uri="{FF2B5EF4-FFF2-40B4-BE49-F238E27FC236}">
+                <a16:creationId xmlns:a16="http://schemas.microsoft.com/office/drawing/2014/main" id="{03BF6631-3F0B-208A-0900-B6A96B6B78C8}"/>
+              </a:ext>
+            </a:extLst>
+          </p:cNvPr>
+          <p:cNvSpPr txBox="1"/>
+          <p:nvPr/>
+        </p:nvSpPr>
+        <p:spPr>
+          <a:xfrm>
+            <a:off x="4712816" y="4399690"/>
+            <a:ext cx="3277115" cy="923330"/>
+          </a:xfrm>
+          <a:prstGeom prst="rect">
+            <a:avLst/>
+          </a:prstGeom>
+          <a:noFill/>
+        </p:spPr>
+        <p:txBody>
+          <a:bodyPr wrap="square">
+            <a:spAutoFit/>
+          </a:bodyPr>
+          <a:lstStyle/>
+          <a:p>
+            <a:pPr algn="ctr"/>
+            <a:r>
+              <a:rPr kumimoji="0" lang="de-DE" sz="1800" b="0" i="0" u="none" strike="noStrike" kern="1200" cap="none" spc="0" normalizeH="0" baseline="0" noProof="0" dirty="0">
+                <a:ln>
+                  <a:noFill/>
+                </a:ln>
+                <a:solidFill>
+                  <a:schemeClr val="bg1">
+                    <a:lumMod val="50000"/>
+                  </a:schemeClr>
+                </a:solidFill>
+                <a:effectLst/>
+                <a:uLnTx/>
+                <a:uFillTx/>
+                <a:latin typeface="Aptos" panose="02110004020202020204"/>
+                <a:ea typeface="+mn-ea"/>
+                <a:cs typeface="+mn-cs"/>
+              </a:rPr>
+              <a:t>github.com/</a:t>
+            </a:r>
+            <a:r>
+              <a:rPr kumimoji="0" lang="de-DE" sz="1800" b="0" i="0" u="none" strike="noStrike" kern="1200" cap="none" spc="0" normalizeH="0" baseline="0" noProof="0" dirty="0" err="1">
+                <a:ln>
+                  <a:noFill/>
+                </a:ln>
+                <a:solidFill>
+                  <a:schemeClr val="bg1">
+                    <a:lumMod val="50000"/>
+                  </a:schemeClr>
+                </a:solidFill>
+                <a:effectLst/>
+                <a:uLnTx/>
+                <a:uFillTx/>
+                <a:latin typeface="Aptos" panose="02110004020202020204"/>
+                <a:ea typeface="+mn-ea"/>
+                <a:cs typeface="+mn-cs"/>
+              </a:rPr>
+              <a:t>jxjo</a:t>
+            </a:r>
+            <a:r>
+              <a:rPr kumimoji="0" lang="de-DE" sz="1800" b="0" i="0" u="none" strike="noStrike" kern="1200" cap="none" spc="0" normalizeH="0" baseline="0" noProof="0" dirty="0">
+                <a:ln>
+                  <a:noFill/>
+                </a:ln>
+                <a:solidFill>
+                  <a:schemeClr val="bg1">
+                    <a:lumMod val="50000"/>
+                  </a:schemeClr>
+                </a:solidFill>
+                <a:effectLst/>
+                <a:uLnTx/>
+                <a:uFillTx/>
+                <a:latin typeface="Aptos" panose="02110004020202020204"/>
+                <a:ea typeface="+mn-ea"/>
+                <a:cs typeface="+mn-cs"/>
+              </a:rPr>
+              <a:t>/</a:t>
+            </a:r>
+            <a:r>
+              <a:rPr kumimoji="0" lang="de-DE" sz="1800" b="0" i="0" u="none" strike="noStrike" kern="1200" cap="none" spc="0" normalizeH="0" baseline="0" noProof="0" dirty="0" err="1">
+                <a:ln>
+                  <a:noFill/>
+                </a:ln>
+                <a:solidFill>
+                  <a:schemeClr val="bg1">
+                    <a:lumMod val="50000"/>
+                  </a:schemeClr>
+                </a:solidFill>
+                <a:effectLst/>
+                <a:uLnTx/>
+                <a:uFillTx/>
+                <a:latin typeface="Aptos" panose="02110004020202020204"/>
+                <a:ea typeface="+mn-ea"/>
+                <a:cs typeface="+mn-cs"/>
+              </a:rPr>
+              <a:t>AirfoilEditor</a:t>
+            </a:r>
+            <a:endParaRPr kumimoji="0" lang="de-DE" sz="1800" b="0" i="0" u="none" strike="noStrike" kern="1200" cap="none" spc="0" normalizeH="0" baseline="0" noProof="0" dirty="0">
+              <a:ln>
+                <a:noFill/>
+              </a:ln>
+              <a:solidFill>
+                <a:schemeClr val="bg1">
+                  <a:lumMod val="50000"/>
+                </a:schemeClr>
+              </a:solidFill>
+              <a:effectLst/>
+              <a:uLnTx/>
+              <a:uFillTx/>
+              <a:latin typeface="Aptos" panose="02110004020202020204"/>
+              <a:ea typeface="+mn-ea"/>
+              <a:cs typeface="+mn-cs"/>
+            </a:endParaRPr>
+          </a:p>
+          <a:p>
+            <a:pPr algn="ctr"/>
+            <a:endParaRPr lang="de-DE" dirty="0">
+              <a:solidFill>
+                <a:schemeClr val="bg1">
+                  <a:lumMod val="50000"/>
+                </a:schemeClr>
+              </a:solidFill>
+              <a:latin typeface="Aptos" panose="02110004020202020204"/>
+            </a:endParaRPr>
+          </a:p>
+          <a:p>
+            <a:pPr algn="ctr"/>
+            <a:r>
+              <a:rPr kumimoji="0" lang="de-DE" sz="1800" b="0" i="0" u="none" strike="noStrike" kern="1200" cap="none" spc="0" normalizeH="0" baseline="0" noProof="0" dirty="0">
+                <a:ln>
+                  <a:noFill/>
+                </a:ln>
+                <a:solidFill>
+                  <a:schemeClr val="bg1">
+                    <a:lumMod val="50000"/>
+                  </a:schemeClr>
+                </a:solidFill>
+                <a:effectLst/>
+                <a:uLnTx/>
+                <a:uFillTx/>
+                <a:latin typeface="Aptos" panose="02110004020202020204"/>
+                <a:ea typeface="+mn-ea"/>
+                <a:cs typeface="+mn-cs"/>
+              </a:rPr>
+              <a:t>Jochen </a:t>
+            </a:r>
+            <a:r>
+              <a:rPr kumimoji="0" lang="de-DE" sz="1800" b="0" i="0" u="none" strike="noStrike" kern="1200" cap="none" spc="0" normalizeH="0" baseline="0" noProof="0" dirty="0" err="1">
+                <a:ln>
+                  <a:noFill/>
+                </a:ln>
+                <a:solidFill>
+                  <a:schemeClr val="bg1">
+                    <a:lumMod val="50000"/>
+                  </a:schemeClr>
+                </a:solidFill>
+                <a:effectLst/>
+                <a:uLnTx/>
+                <a:uFillTx/>
+                <a:latin typeface="Aptos" panose="02110004020202020204"/>
+                <a:ea typeface="+mn-ea"/>
+                <a:cs typeface="+mn-cs"/>
+              </a:rPr>
+              <a:t>Guenzel</a:t>
+            </a:r>
+            <a:r>
+              <a:rPr kumimoji="0" lang="de-DE" sz="1800" b="0" i="0" u="none" strike="noStrike" kern="1200" cap="none" spc="0" normalizeH="0" baseline="0" noProof="0" dirty="0">
+                <a:ln>
+                  <a:noFill/>
+                </a:ln>
+                <a:solidFill>
+                  <a:schemeClr val="bg1">
+                    <a:lumMod val="50000"/>
+                  </a:schemeClr>
+                </a:solidFill>
+                <a:effectLst/>
+                <a:uLnTx/>
+                <a:uFillTx/>
+                <a:latin typeface="Aptos" panose="02110004020202020204"/>
+                <a:ea typeface="+mn-ea"/>
+                <a:cs typeface="+mn-cs"/>
+              </a:rPr>
+              <a:t> </a:t>
+            </a:r>
+            <a:endParaRPr lang="de-DE" dirty="0">
+              <a:solidFill>
+                <a:schemeClr val="bg1">
+                  <a:lumMod val="50000"/>
+                </a:schemeClr>
+              </a:solidFill>
+            </a:endParaRPr>
+          </a:p>
+        </p:txBody>
+      </p:sp>
+    </p:spTree>
+    <p:extLst>
+      <p:ext uri="{BB962C8B-B14F-4D97-AF65-F5344CB8AC3E}">
+        <p14:creationId xmlns:p14="http://schemas.microsoft.com/office/powerpoint/2010/main" val="2172064109"/>
+      </p:ext>
+    </p:extLst>
+  </p:cSld>
+  <p:clrMapOvr>
+    <a:masterClrMapping/>
+  </p:clrMapOvr>
+</p:sld>
+</file>
+
+<file path=ppt/slides/slide11.xml><?xml version="1.0" encoding="utf-8"?>
+<p:sld xmlns:a="http://schemas.openxmlformats.org/drawingml/2006/main" xmlns:r="http://schemas.openxmlformats.org/officeDocument/2006/relationships" xmlns:p="http://schemas.openxmlformats.org/presentationml/2006/main">
+  <p:cSld>
+    <p:bg>
+      <p:bgPr>
+        <a:solidFill>
+          <a:schemeClr val="bg2">
+            <a:lumMod val="50000"/>
+          </a:schemeClr>
+        </a:solidFill>
+        <a:effectLst/>
+      </p:bgPr>
+    </p:bg>
+    <p:spTree>
+      <p:nvGrpSpPr>
+        <p:cNvPr id="1" name=""/>
+        <p:cNvGrpSpPr/>
+        <p:nvPr/>
+      </p:nvGrpSpPr>
+      <p:grpSpPr>
+        <a:xfrm>
+          <a:off x="0" y="0"/>
+          <a:ext cx="0" cy="0"/>
+          <a:chOff x="0" y="0"/>
+          <a:chExt cx="0" cy="0"/>
+        </a:xfrm>
+      </p:grpSpPr>
+      <p:pic>
+        <p:nvPicPr>
+          <p:cNvPr id="3" name="Grafik 2" descr="Ein Bild, das Schrift, Grafiken, Text, Grafikdesign enthält.&#10;&#10;Automatisch generierte Beschreibung">
+            <a:extLst>
+              <a:ext uri="{FF2B5EF4-FFF2-40B4-BE49-F238E27FC236}">
+                <a16:creationId xmlns:a16="http://schemas.microsoft.com/office/drawing/2014/main" id="{455BEB90-6115-17F0-07F2-8AAE37B7027D}"/>
+              </a:ext>
+            </a:extLst>
+          </p:cNvPr>
+          <p:cNvPicPr>
+            <a:picLocks noChangeAspect="1"/>
+          </p:cNvPicPr>
+          <p:nvPr/>
+        </p:nvPicPr>
+        <p:blipFill>
+          <a:blip r:embed="rId2">
+            <a:extLst>
+              <a:ext uri="{28A0092B-C50C-407E-A947-70E740481C1C}">
+                <a14:useLocalDpi xmlns:a14="http://schemas.microsoft.com/office/drawing/2010/main" val="0"/>
+              </a:ext>
+            </a:extLst>
+          </a:blip>
+          <a:stretch>
+            <a:fillRect/>
+          </a:stretch>
+        </p:blipFill>
+        <p:spPr>
+          <a:xfrm>
+            <a:off x="3115169" y="1382715"/>
+            <a:ext cx="4030349" cy="1151529"/>
+          </a:xfrm>
+          <a:prstGeom prst="rect">
+            <a:avLst/>
+          </a:prstGeom>
+        </p:spPr>
+      </p:pic>
+      <p:sp>
+        <p:nvSpPr>
+          <p:cNvPr id="4" name="Textfeld 3">
+            <a:extLst>
+              <a:ext uri="{FF2B5EF4-FFF2-40B4-BE49-F238E27FC236}">
+                <a16:creationId xmlns:a16="http://schemas.microsoft.com/office/drawing/2014/main" id="{88AE6C18-AD6C-B6B1-1B1C-9C53E33964EB}"/>
+              </a:ext>
+            </a:extLst>
+          </p:cNvPr>
+          <p:cNvSpPr txBox="1"/>
+          <p:nvPr/>
+        </p:nvSpPr>
+        <p:spPr>
+          <a:xfrm>
+            <a:off x="3115169" y="2875002"/>
+            <a:ext cx="5067297" cy="1107996"/>
+          </a:xfrm>
+          <a:prstGeom prst="rect">
+            <a:avLst/>
+          </a:prstGeom>
+          <a:solidFill>
+            <a:srgbClr val="101010"/>
+          </a:solidFill>
+        </p:spPr>
+        <p:txBody>
+          <a:bodyPr wrap="none" lIns="288000" rtlCol="0">
+            <a:noAutofit/>
+          </a:bodyPr>
+          <a:lstStyle/>
+          <a:p>
+            <a:r>
+              <a:rPr lang="de-DE" sz="6600" b="1" dirty="0">
+                <a:solidFill>
+                  <a:srgbClr val="D9D9D9"/>
+                </a:solidFill>
+                <a:latin typeface="Roboto Black" panose="02000000000000000000" pitchFamily="2" charset="0"/>
+                <a:ea typeface="Roboto Black" panose="02000000000000000000" pitchFamily="2" charset="0"/>
+              </a:rPr>
+              <a:t>Xoptfoil</a:t>
+            </a:r>
+          </a:p>
+        </p:txBody>
+      </p:sp>
+      <p:sp>
+        <p:nvSpPr>
+          <p:cNvPr id="5" name="Textfeld 4">
+            <a:extLst>
+              <a:ext uri="{FF2B5EF4-FFF2-40B4-BE49-F238E27FC236}">
+                <a16:creationId xmlns:a16="http://schemas.microsoft.com/office/drawing/2014/main" id="{516D9F68-55EA-89B5-B37B-3F6FBA25240E}"/>
+              </a:ext>
+            </a:extLst>
+          </p:cNvPr>
+          <p:cNvSpPr txBox="1"/>
+          <p:nvPr/>
+        </p:nvSpPr>
+        <p:spPr>
+          <a:xfrm>
+            <a:off x="3115168" y="4196326"/>
+            <a:ext cx="5265261" cy="1107996"/>
+          </a:xfrm>
+          <a:prstGeom prst="rect">
+            <a:avLst/>
+          </a:prstGeom>
+          <a:solidFill>
+            <a:srgbClr val="101010"/>
+          </a:solidFill>
+        </p:spPr>
+        <p:txBody>
+          <a:bodyPr wrap="none" lIns="288000" rtlCol="0">
+            <a:noAutofit/>
+          </a:bodyPr>
+          <a:lstStyle/>
+          <a:p>
+            <a:r>
+              <a:rPr lang="de-DE" sz="6600" b="1" dirty="0">
+                <a:solidFill>
+                  <a:srgbClr val="D9D9D9"/>
+                </a:solidFill>
+                <a:latin typeface="Roboto Black" panose="02000000000000000000" pitchFamily="2" charset="0"/>
+                <a:ea typeface="Roboto Black" panose="02000000000000000000" pitchFamily="2" charset="0"/>
+              </a:rPr>
+              <a:t>Airfoil</a:t>
+            </a:r>
+            <a:r>
+              <a:rPr lang="de-DE" sz="6600" b="1" dirty="0">
+                <a:solidFill>
+                  <a:srgbClr val="DA007D"/>
+                </a:solidFill>
+                <a:latin typeface="Roboto Black" panose="02000000000000000000" pitchFamily="2" charset="0"/>
+                <a:ea typeface="Roboto Black" panose="02000000000000000000" pitchFamily="2" charset="0"/>
+              </a:rPr>
+              <a:t>Editor</a:t>
+            </a:r>
+          </a:p>
+        </p:txBody>
+      </p:sp>
+    </p:spTree>
+    <p:extLst>
+      <p:ext uri="{BB962C8B-B14F-4D97-AF65-F5344CB8AC3E}">
+        <p14:creationId xmlns:p14="http://schemas.microsoft.com/office/powerpoint/2010/main" val="2102712342"/>
+      </p:ext>
+    </p:extLst>
+  </p:cSld>
+  <p:clrMapOvr>
+    <a:masterClrMapping/>
+  </p:clrMapOvr>
+</p:sld>
+</file>
+
 <file path=ppt/slides/slide2.xml><?xml version="1.0" encoding="utf-8"?>
 <p:sld xmlns:a="http://schemas.openxmlformats.org/drawingml/2006/main" xmlns:r="http://schemas.openxmlformats.org/officeDocument/2006/relationships" xmlns:p="http://schemas.openxmlformats.org/presentationml/2006/main">
   <p:cSld>
@@ -4775,9 +5426,7 @@
     <p:bg>
       <p:bgPr>
         <a:solidFill>
-          <a:schemeClr val="bg2">
-            <a:lumMod val="50000"/>
-          </a:schemeClr>
+          <a:srgbClr val="000000"/>
         </a:solidFill>
         <a:effectLst/>
       </p:bgPr>
@@ -4796,64 +5445,28 @@
           <a:chExt cx="0" cy="0"/>
         </a:xfrm>
       </p:grpSpPr>
-      <p:pic>
-        <p:nvPicPr>
-          <p:cNvPr id="3" name="Grafik 2" descr="Ein Bild, das Schrift, Grafiken, Text, Grafikdesign enthält.&#10;&#10;Automatisch generierte Beschreibung">
-            <a:extLst>
-              <a:ext uri="{FF2B5EF4-FFF2-40B4-BE49-F238E27FC236}">
-                <a16:creationId xmlns:a16="http://schemas.microsoft.com/office/drawing/2014/main" id="{455BEB90-6115-17F0-07F2-8AAE37B7027D}"/>
-              </a:ext>
-            </a:extLst>
-          </p:cNvPr>
-          <p:cNvPicPr>
-            <a:picLocks noChangeAspect="1"/>
-          </p:cNvPicPr>
+      <p:sp>
+        <p:nvSpPr>
+          <p:cNvPr id="5" name="Textfeld 4">
+            <a:extLst>
+              <a:ext uri="{FF2B5EF4-FFF2-40B4-BE49-F238E27FC236}">
+                <a16:creationId xmlns:a16="http://schemas.microsoft.com/office/drawing/2014/main" id="{516D9F68-55EA-89B5-B37B-3F6FBA25240E}"/>
+              </a:ext>
+            </a:extLst>
+          </p:cNvPr>
+          <p:cNvSpPr txBox="1"/>
           <p:nvPr/>
-        </p:nvPicPr>
-        <p:blipFill>
-          <a:blip r:embed="rId2">
-            <a:extLst>
-              <a:ext uri="{28A0092B-C50C-407E-A947-70E740481C1C}">
-                <a14:useLocalDpi xmlns:a14="http://schemas.microsoft.com/office/drawing/2010/main" val="0"/>
-              </a:ext>
-            </a:extLst>
-          </a:blip>
-          <a:stretch>
-            <a:fillRect/>
-          </a:stretch>
-        </p:blipFill>
+        </p:nvSpPr>
         <p:spPr>
           <a:xfrm>
-            <a:off x="3115169" y="1382715"/>
-            <a:ext cx="4030349" cy="1151529"/>
-          </a:xfrm>
-          <a:prstGeom prst="rect">
-            <a:avLst/>
-          </a:prstGeom>
-        </p:spPr>
-      </p:pic>
-      <p:sp>
-        <p:nvSpPr>
-          <p:cNvPr id="4" name="Textfeld 3">
-            <a:extLst>
-              <a:ext uri="{FF2B5EF4-FFF2-40B4-BE49-F238E27FC236}">
-                <a16:creationId xmlns:a16="http://schemas.microsoft.com/office/drawing/2014/main" id="{88AE6C18-AD6C-B6B1-1B1C-9C53E33964EB}"/>
-              </a:ext>
-            </a:extLst>
-          </p:cNvPr>
-          <p:cNvSpPr txBox="1"/>
-          <p:nvPr/>
-        </p:nvSpPr>
-        <p:spPr>
-          <a:xfrm>
-            <a:off x="3115169" y="2875002"/>
-            <a:ext cx="5067297" cy="1107996"/>
+            <a:off x="752968" y="443477"/>
+            <a:ext cx="7343282" cy="1080524"/>
           </a:xfrm>
           <a:prstGeom prst="rect">
             <a:avLst/>
           </a:prstGeom>
           <a:solidFill>
-            <a:srgbClr val="101010"/>
+            <a:srgbClr val="000000"/>
           </a:solidFill>
         </p:spPr>
         <p:txBody>
@@ -4863,24 +5476,34 @@
           <a:lstStyle/>
           <a:p>
             <a:r>
-              <a:rPr lang="de-DE" sz="6600" b="1" dirty="0">
+              <a:rPr lang="de-DE" sz="6000" b="1" dirty="0">
                 <a:solidFill>
                   <a:srgbClr val="D9D9D9"/>
                 </a:solidFill>
                 <a:latin typeface="Roboto Black" panose="02000000000000000000" pitchFamily="2" charset="0"/>
                 <a:ea typeface="Roboto Black" panose="02000000000000000000" pitchFamily="2" charset="0"/>
               </a:rPr>
-              <a:t>Xoptfoil</a:t>
-            </a:r>
-          </a:p>
-        </p:txBody>
-      </p:sp>
-      <p:sp>
-        <p:nvSpPr>
-          <p:cNvPr id="5" name="Textfeld 4">
-            <a:extLst>
-              <a:ext uri="{FF2B5EF4-FFF2-40B4-BE49-F238E27FC236}">
-                <a16:creationId xmlns:a16="http://schemas.microsoft.com/office/drawing/2014/main" id="{516D9F68-55EA-89B5-B37B-3F6FBA25240E}"/>
+              <a:t>Airfoil</a:t>
+            </a:r>
+            <a:r>
+              <a:rPr lang="de-DE" sz="6000" b="1" dirty="0">
+                <a:solidFill>
+                  <a:srgbClr val="DA007D"/>
+                </a:solidFill>
+                <a:latin typeface="Roboto Black" panose="02000000000000000000" pitchFamily="2" charset="0"/>
+                <a:ea typeface="Roboto Black" panose="02000000000000000000" pitchFamily="2" charset="0"/>
+              </a:rPr>
+              <a:t>Editor</a:t>
+            </a:r>
+          </a:p>
+        </p:txBody>
+      </p:sp>
+      <p:sp>
+        <p:nvSpPr>
+          <p:cNvPr id="7" name="Textfeld 6">
+            <a:extLst>
+              <a:ext uri="{FF2B5EF4-FFF2-40B4-BE49-F238E27FC236}">
+                <a16:creationId xmlns:a16="http://schemas.microsoft.com/office/drawing/2014/main" id="{BCA57907-C10D-CEC2-9EA6-EA89B1A06643}"/>
               </a:ext>
             </a:extLst>
           </p:cNvPr>
@@ -4889,14 +5512,117 @@
         </p:nvSpPr>
         <p:spPr>
           <a:xfrm>
-            <a:off x="3115168" y="4196326"/>
-            <a:ext cx="5265261" cy="1107996"/>
+            <a:off x="4112739" y="3044279"/>
+            <a:ext cx="4625547" cy="769441"/>
+          </a:xfrm>
+          <a:prstGeom prst="rect">
+            <a:avLst/>
+          </a:prstGeom>
+          <a:noFill/>
+        </p:spPr>
+        <p:txBody>
+          <a:bodyPr wrap="square">
+            <a:spAutoFit/>
+          </a:bodyPr>
+          <a:lstStyle/>
+          <a:p>
+            <a:pPr marR="0" lvl="0" algn="ctr" defTabSz="914400" rtl="0" eaLnBrk="1" fontAlgn="auto" latinLnBrk="0" hangingPunct="1">
+              <a:lnSpc>
+                <a:spcPct val="100000"/>
+              </a:lnSpc>
+              <a:spcBef>
+                <a:spcPts val="0"/>
+              </a:spcBef>
+              <a:spcAft>
+                <a:spcPts val="600"/>
+              </a:spcAft>
+              <a:buClrTx/>
+              <a:buSzTx/>
+              <a:tabLst/>
+              <a:defRPr/>
+            </a:pPr>
+            <a:r>
+              <a:rPr kumimoji="0" lang="de-DE" sz="4400" b="0" i="0" u="none" strike="noStrike" kern="1200" cap="none" spc="0" normalizeH="0" baseline="0" noProof="0" dirty="0">
+                <a:ln>
+                  <a:noFill/>
+                </a:ln>
+                <a:solidFill>
+                  <a:prstClr val="white">
+                    <a:lumMod val="75000"/>
+                  </a:prstClr>
+                </a:solidFill>
+                <a:effectLst/>
+                <a:uLnTx/>
+                <a:uFillTx/>
+                <a:latin typeface="Aptos" panose="02110004020202020204"/>
+                <a:ea typeface="+mn-ea"/>
+                <a:cs typeface="+mn-cs"/>
+              </a:rPr>
+              <a:t>Modify an Airfoil </a:t>
+            </a:r>
+          </a:p>
+        </p:txBody>
+      </p:sp>
+    </p:spTree>
+    <p:extLst>
+      <p:ext uri="{BB962C8B-B14F-4D97-AF65-F5344CB8AC3E}">
+        <p14:creationId xmlns:p14="http://schemas.microsoft.com/office/powerpoint/2010/main" val="2725008314"/>
+      </p:ext>
+    </p:extLst>
+  </p:cSld>
+  <p:clrMapOvr>
+    <a:masterClrMapping/>
+  </p:clrMapOvr>
+</p:sld>
+</file>
+
+<file path=ppt/slides/slide8.xml><?xml version="1.0" encoding="utf-8"?>
+<p:sld xmlns:a="http://schemas.openxmlformats.org/drawingml/2006/main" xmlns:r="http://schemas.openxmlformats.org/officeDocument/2006/relationships" xmlns:p="http://schemas.openxmlformats.org/presentationml/2006/main">
+  <p:cSld>
+    <p:bg>
+      <p:bgPr>
+        <a:solidFill>
+          <a:srgbClr val="000000"/>
+        </a:solidFill>
+        <a:effectLst/>
+      </p:bgPr>
+    </p:bg>
+    <p:spTree>
+      <p:nvGrpSpPr>
+        <p:cNvPr id="1" name=""/>
+        <p:cNvGrpSpPr/>
+        <p:nvPr/>
+      </p:nvGrpSpPr>
+      <p:grpSpPr>
+        <a:xfrm>
+          <a:off x="0" y="0"/>
+          <a:ext cx="0" cy="0"/>
+          <a:chOff x="0" y="0"/>
+          <a:chExt cx="0" cy="0"/>
+        </a:xfrm>
+      </p:grpSpPr>
+      <p:sp>
+        <p:nvSpPr>
+          <p:cNvPr id="5" name="Textfeld 4">
+            <a:extLst>
+              <a:ext uri="{FF2B5EF4-FFF2-40B4-BE49-F238E27FC236}">
+                <a16:creationId xmlns:a16="http://schemas.microsoft.com/office/drawing/2014/main" id="{516D9F68-55EA-89B5-B37B-3F6FBA25240E}"/>
+              </a:ext>
+            </a:extLst>
+          </p:cNvPr>
+          <p:cNvSpPr txBox="1"/>
+          <p:nvPr/>
+        </p:nvSpPr>
+        <p:spPr>
+          <a:xfrm>
+            <a:off x="752968" y="443477"/>
+            <a:ext cx="7343282" cy="1080524"/>
           </a:xfrm>
           <a:prstGeom prst="rect">
             <a:avLst/>
           </a:prstGeom>
           <a:solidFill>
-            <a:srgbClr val="101010"/>
+            <a:srgbClr val="000000"/>
           </a:solidFill>
         </p:spPr>
         <p:txBody>
@@ -4906,7 +5632,7 @@
           <a:lstStyle/>
           <a:p>
             <a:r>
-              <a:rPr lang="de-DE" sz="6600" b="1" dirty="0">
+              <a:rPr lang="de-DE" sz="6000" b="1" dirty="0">
                 <a:solidFill>
                   <a:srgbClr val="D9D9D9"/>
                 </a:solidFill>
@@ -4916,7 +5642,7 @@
               <a:t>Airfoil</a:t>
             </a:r>
             <a:r>
-              <a:rPr lang="de-DE" sz="6600" b="1" dirty="0">
+              <a:rPr lang="de-DE" sz="6000" b="1" dirty="0">
                 <a:solidFill>
                   <a:srgbClr val="DA007D"/>
                 </a:solidFill>
@@ -4928,10 +5654,399 @@
           </a:p>
         </p:txBody>
       </p:sp>
+      <p:sp>
+        <p:nvSpPr>
+          <p:cNvPr id="7" name="Textfeld 6">
+            <a:extLst>
+              <a:ext uri="{FF2B5EF4-FFF2-40B4-BE49-F238E27FC236}">
+                <a16:creationId xmlns:a16="http://schemas.microsoft.com/office/drawing/2014/main" id="{BCA57907-C10D-CEC2-9EA6-EA89B1A06643}"/>
+              </a:ext>
+            </a:extLst>
+          </p:cNvPr>
+          <p:cNvSpPr txBox="1"/>
+          <p:nvPr/>
+        </p:nvSpPr>
+        <p:spPr>
+          <a:xfrm>
+            <a:off x="4195118" y="3044279"/>
+            <a:ext cx="2922374" cy="769441"/>
+          </a:xfrm>
+          <a:prstGeom prst="rect">
+            <a:avLst/>
+          </a:prstGeom>
+          <a:noFill/>
+        </p:spPr>
+        <p:txBody>
+          <a:bodyPr wrap="square">
+            <a:spAutoFit/>
+          </a:bodyPr>
+          <a:lstStyle/>
+          <a:p>
+            <a:pPr marR="0" lvl="0" algn="ctr" defTabSz="914400" rtl="0" eaLnBrk="1" fontAlgn="auto" latinLnBrk="0" hangingPunct="1">
+              <a:lnSpc>
+                <a:spcPct val="100000"/>
+              </a:lnSpc>
+              <a:spcBef>
+                <a:spcPts val="0"/>
+              </a:spcBef>
+              <a:spcAft>
+                <a:spcPts val="600"/>
+              </a:spcAft>
+              <a:buClrTx/>
+              <a:buSzTx/>
+              <a:tabLst/>
+              <a:defRPr/>
+            </a:pPr>
+            <a:r>
+              <a:rPr kumimoji="0" lang="de-DE" sz="4400" b="0" i="0" u="none" strike="noStrike" kern="1200" cap="none" spc="0" normalizeH="0" baseline="0" noProof="0" dirty="0">
+                <a:ln>
+                  <a:noFill/>
+                </a:ln>
+                <a:solidFill>
+                  <a:prstClr val="white">
+                    <a:lumMod val="75000"/>
+                  </a:prstClr>
+                </a:solidFill>
+                <a:effectLst/>
+                <a:uLnTx/>
+                <a:uFillTx/>
+                <a:latin typeface="Aptos" panose="02110004020202020204"/>
+                <a:ea typeface="+mn-ea"/>
+                <a:cs typeface="+mn-cs"/>
+              </a:rPr>
+              <a:t>Installation</a:t>
+            </a:r>
+          </a:p>
+        </p:txBody>
+      </p:sp>
     </p:spTree>
     <p:extLst>
       <p:ext uri="{BB962C8B-B14F-4D97-AF65-F5344CB8AC3E}">
-        <p14:creationId xmlns:p14="http://schemas.microsoft.com/office/powerpoint/2010/main" val="2102712342"/>
+        <p14:creationId xmlns:p14="http://schemas.microsoft.com/office/powerpoint/2010/main" val="1216265023"/>
+      </p:ext>
+    </p:extLst>
+  </p:cSld>
+  <p:clrMapOvr>
+    <a:masterClrMapping/>
+  </p:clrMapOvr>
+</p:sld>
+</file>
+
+<file path=ppt/slides/slide9.xml><?xml version="1.0" encoding="utf-8"?>
+<p:sld xmlns:a="http://schemas.openxmlformats.org/drawingml/2006/main" xmlns:r="http://schemas.openxmlformats.org/officeDocument/2006/relationships" xmlns:p="http://schemas.openxmlformats.org/presentationml/2006/main">
+  <p:cSld>
+    <p:bg>
+      <p:bgPr>
+        <a:solidFill>
+          <a:srgbClr val="000000"/>
+        </a:solidFill>
+        <a:effectLst/>
+      </p:bgPr>
+    </p:bg>
+    <p:spTree>
+      <p:nvGrpSpPr>
+        <p:cNvPr id="1" name=""/>
+        <p:cNvGrpSpPr/>
+        <p:nvPr/>
+      </p:nvGrpSpPr>
+      <p:grpSpPr>
+        <a:xfrm>
+          <a:off x="0" y="0"/>
+          <a:ext cx="0" cy="0"/>
+          <a:chOff x="0" y="0"/>
+          <a:chExt cx="0" cy="0"/>
+        </a:xfrm>
+      </p:grpSpPr>
+      <p:sp>
+        <p:nvSpPr>
+          <p:cNvPr id="5" name="Textfeld 4">
+            <a:extLst>
+              <a:ext uri="{FF2B5EF4-FFF2-40B4-BE49-F238E27FC236}">
+                <a16:creationId xmlns:a16="http://schemas.microsoft.com/office/drawing/2014/main" id="{516D9F68-55EA-89B5-B37B-3F6FBA25240E}"/>
+              </a:ext>
+            </a:extLst>
+          </p:cNvPr>
+          <p:cNvSpPr txBox="1"/>
+          <p:nvPr/>
+        </p:nvSpPr>
+        <p:spPr>
+          <a:xfrm>
+            <a:off x="752968" y="443477"/>
+            <a:ext cx="7343282" cy="1080524"/>
+          </a:xfrm>
+          <a:prstGeom prst="rect">
+            <a:avLst/>
+          </a:prstGeom>
+          <a:solidFill>
+            <a:srgbClr val="000000"/>
+          </a:solidFill>
+        </p:spPr>
+        <p:txBody>
+          <a:bodyPr wrap="none" lIns="288000" rtlCol="0">
+            <a:noAutofit/>
+          </a:bodyPr>
+          <a:lstStyle/>
+          <a:p>
+            <a:r>
+              <a:rPr lang="de-DE" sz="6000" b="1" dirty="0">
+                <a:solidFill>
+                  <a:srgbClr val="D9D9D9"/>
+                </a:solidFill>
+                <a:latin typeface="Roboto Black" panose="02000000000000000000" pitchFamily="2" charset="0"/>
+                <a:ea typeface="Roboto Black" panose="02000000000000000000" pitchFamily="2" charset="0"/>
+              </a:rPr>
+              <a:t>Airfoil</a:t>
+            </a:r>
+            <a:r>
+              <a:rPr lang="de-DE" sz="6000" b="1" dirty="0">
+                <a:solidFill>
+                  <a:srgbClr val="DA007D"/>
+                </a:solidFill>
+                <a:latin typeface="Roboto Black" panose="02000000000000000000" pitchFamily="2" charset="0"/>
+                <a:ea typeface="Roboto Black" panose="02000000000000000000" pitchFamily="2" charset="0"/>
+              </a:rPr>
+              <a:t>Editor</a:t>
+            </a:r>
+          </a:p>
+        </p:txBody>
+      </p:sp>
+      <p:sp>
+        <p:nvSpPr>
+          <p:cNvPr id="2" name="Textfeld 1">
+            <a:extLst>
+              <a:ext uri="{FF2B5EF4-FFF2-40B4-BE49-F238E27FC236}">
+                <a16:creationId xmlns:a16="http://schemas.microsoft.com/office/drawing/2014/main" id="{97D1945F-2B56-C7B3-00CD-2D46CB71B8C9}"/>
+              </a:ext>
+            </a:extLst>
+          </p:cNvPr>
+          <p:cNvSpPr txBox="1"/>
+          <p:nvPr/>
+        </p:nvSpPr>
+        <p:spPr>
+          <a:xfrm>
+            <a:off x="3166654" y="3198167"/>
+            <a:ext cx="7526059" cy="461665"/>
+          </a:xfrm>
+          <a:prstGeom prst="rect">
+            <a:avLst/>
+          </a:prstGeom>
+          <a:noFill/>
+        </p:spPr>
+        <p:txBody>
+          <a:bodyPr wrap="square">
+            <a:spAutoFit/>
+          </a:bodyPr>
+          <a:lstStyle/>
+          <a:p>
+            <a:pPr marR="0" lvl="0" algn="l" defTabSz="914400" rtl="0" eaLnBrk="1" fontAlgn="auto" latinLnBrk="0" hangingPunct="1">
+              <a:lnSpc>
+                <a:spcPct val="100000"/>
+              </a:lnSpc>
+              <a:spcBef>
+                <a:spcPts val="0"/>
+              </a:spcBef>
+              <a:spcAft>
+                <a:spcPts val="0"/>
+              </a:spcAft>
+              <a:buClrTx/>
+              <a:buSzTx/>
+              <a:tabLst/>
+              <a:defRPr/>
+            </a:pPr>
+            <a:r>
+              <a:rPr kumimoji="0" lang="de-DE" sz="2400" b="0" i="0" u="none" strike="noStrike" kern="1200" cap="none" spc="0" normalizeH="0" baseline="0" noProof="0" dirty="0">
+                <a:ln>
+                  <a:noFill/>
+                </a:ln>
+                <a:solidFill>
+                  <a:schemeClr val="bg1">
+                    <a:lumMod val="50000"/>
+                  </a:schemeClr>
+                </a:solidFill>
+                <a:effectLst/>
+                <a:uLnTx/>
+                <a:uFillTx/>
+                <a:latin typeface="Aptos" panose="02110004020202020204"/>
+                <a:ea typeface="+mn-ea"/>
+                <a:cs typeface="+mn-cs"/>
+              </a:rPr>
+              <a:t>Working </a:t>
+            </a:r>
+            <a:r>
+              <a:rPr kumimoji="0" lang="de-DE" sz="2400" b="0" i="0" u="none" strike="noStrike" kern="1200" cap="none" spc="0" normalizeH="0" baseline="0" noProof="0" dirty="0" err="1">
+                <a:ln>
+                  <a:noFill/>
+                </a:ln>
+                <a:solidFill>
+                  <a:schemeClr val="bg1">
+                    <a:lumMod val="50000"/>
+                  </a:schemeClr>
+                </a:solidFill>
+                <a:effectLst/>
+                <a:uLnTx/>
+                <a:uFillTx/>
+                <a:latin typeface="Aptos" panose="02110004020202020204"/>
+                <a:ea typeface="+mn-ea"/>
+                <a:cs typeface="+mn-cs"/>
+              </a:rPr>
+              <a:t>with</a:t>
+            </a:r>
+            <a:r>
+              <a:rPr kumimoji="0" lang="de-DE" sz="2400" b="0" i="0" u="none" strike="noStrike" kern="1200" cap="none" spc="0" normalizeH="0" baseline="0" noProof="0" dirty="0">
+                <a:ln>
+                  <a:noFill/>
+                </a:ln>
+                <a:solidFill>
+                  <a:schemeClr val="bg1">
+                    <a:lumMod val="50000"/>
+                  </a:schemeClr>
+                </a:solidFill>
+                <a:effectLst/>
+                <a:uLnTx/>
+                <a:uFillTx/>
+                <a:latin typeface="Aptos" panose="02110004020202020204"/>
+                <a:ea typeface="+mn-ea"/>
+                <a:cs typeface="+mn-cs"/>
+              </a:rPr>
+              <a:t> Bezier </a:t>
+            </a:r>
+            <a:r>
+              <a:rPr kumimoji="0" lang="de-DE" sz="2400" b="0" i="0" u="none" strike="noStrike" kern="1200" cap="none" spc="0" normalizeH="0" baseline="0" noProof="0" dirty="0" err="1">
+                <a:ln>
+                  <a:noFill/>
+                </a:ln>
+                <a:solidFill>
+                  <a:schemeClr val="bg1">
+                    <a:lumMod val="50000"/>
+                  </a:schemeClr>
+                </a:solidFill>
+                <a:effectLst/>
+                <a:uLnTx/>
+                <a:uFillTx/>
+                <a:latin typeface="Aptos" panose="02110004020202020204"/>
+                <a:ea typeface="+mn-ea"/>
+                <a:cs typeface="+mn-cs"/>
+              </a:rPr>
+              <a:t>curves</a:t>
+            </a:r>
+            <a:r>
+              <a:rPr kumimoji="0" lang="de-DE" sz="2400" b="0" i="0" u="none" strike="noStrike" kern="1200" cap="none" spc="0" normalizeH="0" baseline="0" noProof="0" dirty="0">
+                <a:ln>
+                  <a:noFill/>
+                </a:ln>
+                <a:solidFill>
+                  <a:schemeClr val="bg1">
+                    <a:lumMod val="50000"/>
+                  </a:schemeClr>
+                </a:solidFill>
+                <a:effectLst/>
+                <a:uLnTx/>
+                <a:uFillTx/>
+                <a:latin typeface="Aptos" panose="02110004020202020204"/>
+                <a:ea typeface="+mn-ea"/>
+                <a:cs typeface="+mn-cs"/>
+              </a:rPr>
+              <a:t> in a </a:t>
+            </a:r>
+            <a:r>
+              <a:rPr kumimoji="0" lang="de-DE" sz="2400" b="0" i="0" u="none" strike="noStrike" kern="1200" cap="none" spc="0" normalizeH="0" baseline="0" noProof="0" dirty="0" err="1">
+                <a:ln>
+                  <a:noFill/>
+                </a:ln>
+                <a:solidFill>
+                  <a:schemeClr val="bg1">
+                    <a:lumMod val="50000"/>
+                  </a:schemeClr>
+                </a:solidFill>
+                <a:effectLst/>
+                <a:uLnTx/>
+                <a:uFillTx/>
+                <a:latin typeface="Aptos" panose="02110004020202020204"/>
+                <a:ea typeface="+mn-ea"/>
+                <a:cs typeface="+mn-cs"/>
+              </a:rPr>
+              <a:t>next</a:t>
+            </a:r>
+            <a:r>
+              <a:rPr kumimoji="0" lang="de-DE" sz="2400" b="0" i="0" u="none" strike="noStrike" kern="1200" cap="none" spc="0" normalizeH="0" baseline="0" noProof="0" dirty="0">
+                <a:ln>
+                  <a:noFill/>
+                </a:ln>
+                <a:solidFill>
+                  <a:schemeClr val="bg1">
+                    <a:lumMod val="50000"/>
+                  </a:schemeClr>
+                </a:solidFill>
+                <a:effectLst/>
+                <a:uLnTx/>
+                <a:uFillTx/>
+                <a:latin typeface="Aptos" panose="02110004020202020204"/>
+                <a:ea typeface="+mn-ea"/>
+                <a:cs typeface="+mn-cs"/>
+              </a:rPr>
+              <a:t> </a:t>
+            </a:r>
+            <a:r>
+              <a:rPr kumimoji="0" lang="de-DE" sz="2400" b="0" i="0" u="none" strike="noStrike" kern="1200" cap="none" spc="0" normalizeH="0" baseline="0" noProof="0" dirty="0" err="1">
+                <a:ln>
+                  <a:noFill/>
+                </a:ln>
+                <a:solidFill>
+                  <a:schemeClr val="bg1">
+                    <a:lumMod val="50000"/>
+                  </a:schemeClr>
+                </a:solidFill>
+                <a:effectLst/>
+                <a:uLnTx/>
+                <a:uFillTx/>
+                <a:latin typeface="Aptos" panose="02110004020202020204"/>
+                <a:ea typeface="+mn-ea"/>
+                <a:cs typeface="+mn-cs"/>
+              </a:rPr>
+              <a:t>video</a:t>
+            </a:r>
+            <a:r>
+              <a:rPr kumimoji="0" lang="de-DE" sz="2400" b="0" i="0" u="none" strike="noStrike" kern="1200" cap="none" spc="0" normalizeH="0" baseline="0" noProof="0" dirty="0">
+                <a:ln>
+                  <a:noFill/>
+                </a:ln>
+                <a:solidFill>
+                  <a:schemeClr val="bg1">
+                    <a:lumMod val="50000"/>
+                  </a:schemeClr>
+                </a:solidFill>
+                <a:effectLst/>
+                <a:uLnTx/>
+                <a:uFillTx/>
+                <a:latin typeface="Aptos" panose="02110004020202020204"/>
+                <a:ea typeface="+mn-ea"/>
+                <a:cs typeface="+mn-cs"/>
+              </a:rPr>
+              <a:t> … </a:t>
+            </a:r>
+            <a:endParaRPr kumimoji="0" lang="en-US" sz="2400" b="0" i="0" u="none" strike="noStrike" kern="1200" cap="none" spc="0" normalizeH="0" baseline="0" noProof="0" dirty="0">
+              <a:ln>
+                <a:noFill/>
+              </a:ln>
+              <a:solidFill>
+                <a:schemeClr val="bg1">
+                  <a:lumMod val="85000"/>
+                </a:schemeClr>
+              </a:solidFill>
+              <a:effectLst/>
+              <a:uLnTx/>
+              <a:uFillTx/>
+              <a:latin typeface="Aptos" panose="02110004020202020204"/>
+              <a:ea typeface="+mn-ea"/>
+              <a:cs typeface="+mn-cs"/>
+            </a:endParaRPr>
+          </a:p>
+        </p:txBody>
+      </p:sp>
+    </p:spTree>
+    <p:extLst>
+      <p:ext uri="{BB962C8B-B14F-4D97-AF65-F5344CB8AC3E}">
+        <p14:creationId xmlns:p14="http://schemas.microsoft.com/office/powerpoint/2010/main" val="2853677200"/>
       </p:ext>
     </p:extLst>
   </p:cSld>
